--- a/figs/fig.pptx
+++ b/figs/fig.pptx
@@ -12,6 +12,7 @@
     <p:sldId id="260" r:id="rId6"/>
     <p:sldId id="261" r:id="rId7"/>
     <p:sldId id="262" r:id="rId8"/>
+    <p:sldId id="263" r:id="rId9"/>
   </p:sldIdLst>
   <p:sldSz cx="12192000" cy="6858000"/>
   <p:notesSz cx="6858000" cy="9144000"/>
@@ -110,6 +111,11 @@
       </a:defRPr>
     </a:lvl9pPr>
   </p:defaultTextStyle>
+  <p:extLst>
+    <p:ext uri="{EFAFB233-063F-42B5-8137-9DF3F51BA10A}">
+      <p15:sldGuideLst xmlns:p15="http://schemas.microsoft.com/office/powerpoint/2012/main"/>
+    </p:ext>
+  </p:extLst>
 </p:presentation>
 </file>
 
@@ -260,7 +266,7 @@
           <a:p>
             <a:fld id="{50926853-D7E0-4676-A527-160F30014062}" type="datetimeFigureOut">
               <a:rPr lang="zh-TW" altLang="en-US" smtClean="0"/>
-              <a:t>2022/4/24</a:t>
+              <a:t>2022/5/15</a:t>
             </a:fld>
             <a:endParaRPr lang="zh-TW" altLang="en-US"/>
           </a:p>
@@ -458,7 +464,7 @@
           <a:p>
             <a:fld id="{50926853-D7E0-4676-A527-160F30014062}" type="datetimeFigureOut">
               <a:rPr lang="zh-TW" altLang="en-US" smtClean="0"/>
-              <a:t>2022/4/24</a:t>
+              <a:t>2022/5/15</a:t>
             </a:fld>
             <a:endParaRPr lang="zh-TW" altLang="en-US"/>
           </a:p>
@@ -666,7 +672,7 @@
           <a:p>
             <a:fld id="{50926853-D7E0-4676-A527-160F30014062}" type="datetimeFigureOut">
               <a:rPr lang="zh-TW" altLang="en-US" smtClean="0"/>
-              <a:t>2022/4/24</a:t>
+              <a:t>2022/5/15</a:t>
             </a:fld>
             <a:endParaRPr lang="zh-TW" altLang="en-US"/>
           </a:p>
@@ -864,7 +870,7 @@
           <a:p>
             <a:fld id="{50926853-D7E0-4676-A527-160F30014062}" type="datetimeFigureOut">
               <a:rPr lang="zh-TW" altLang="en-US" smtClean="0"/>
-              <a:t>2022/4/24</a:t>
+              <a:t>2022/5/15</a:t>
             </a:fld>
             <a:endParaRPr lang="zh-TW" altLang="en-US"/>
           </a:p>
@@ -1139,7 +1145,7 @@
           <a:p>
             <a:fld id="{50926853-D7E0-4676-A527-160F30014062}" type="datetimeFigureOut">
               <a:rPr lang="zh-TW" altLang="en-US" smtClean="0"/>
-              <a:t>2022/4/24</a:t>
+              <a:t>2022/5/15</a:t>
             </a:fld>
             <a:endParaRPr lang="zh-TW" altLang="en-US"/>
           </a:p>
@@ -1404,7 +1410,7 @@
           <a:p>
             <a:fld id="{50926853-D7E0-4676-A527-160F30014062}" type="datetimeFigureOut">
               <a:rPr lang="zh-TW" altLang="en-US" smtClean="0"/>
-              <a:t>2022/4/24</a:t>
+              <a:t>2022/5/15</a:t>
             </a:fld>
             <a:endParaRPr lang="zh-TW" altLang="en-US"/>
           </a:p>
@@ -1816,7 +1822,7 @@
           <a:p>
             <a:fld id="{50926853-D7E0-4676-A527-160F30014062}" type="datetimeFigureOut">
               <a:rPr lang="zh-TW" altLang="en-US" smtClean="0"/>
-              <a:t>2022/4/24</a:t>
+              <a:t>2022/5/15</a:t>
             </a:fld>
             <a:endParaRPr lang="zh-TW" altLang="en-US"/>
           </a:p>
@@ -1957,7 +1963,7 @@
           <a:p>
             <a:fld id="{50926853-D7E0-4676-A527-160F30014062}" type="datetimeFigureOut">
               <a:rPr lang="zh-TW" altLang="en-US" smtClean="0"/>
-              <a:t>2022/4/24</a:t>
+              <a:t>2022/5/15</a:t>
             </a:fld>
             <a:endParaRPr lang="zh-TW" altLang="en-US"/>
           </a:p>
@@ -2070,7 +2076,7 @@
           <a:p>
             <a:fld id="{50926853-D7E0-4676-A527-160F30014062}" type="datetimeFigureOut">
               <a:rPr lang="zh-TW" altLang="en-US" smtClean="0"/>
-              <a:t>2022/4/24</a:t>
+              <a:t>2022/5/15</a:t>
             </a:fld>
             <a:endParaRPr lang="zh-TW" altLang="en-US"/>
           </a:p>
@@ -2381,7 +2387,7 @@
           <a:p>
             <a:fld id="{50926853-D7E0-4676-A527-160F30014062}" type="datetimeFigureOut">
               <a:rPr lang="zh-TW" altLang="en-US" smtClean="0"/>
-              <a:t>2022/4/24</a:t>
+              <a:t>2022/5/15</a:t>
             </a:fld>
             <a:endParaRPr lang="zh-TW" altLang="en-US"/>
           </a:p>
@@ -2669,7 +2675,7 @@
           <a:p>
             <a:fld id="{50926853-D7E0-4676-A527-160F30014062}" type="datetimeFigureOut">
               <a:rPr lang="zh-TW" altLang="en-US" smtClean="0"/>
-              <a:t>2022/4/24</a:t>
+              <a:t>2022/5/15</a:t>
             </a:fld>
             <a:endParaRPr lang="zh-TW" altLang="en-US"/>
           </a:p>
@@ -2910,7 +2916,7 @@
           <a:p>
             <a:fld id="{50926853-D7E0-4676-A527-160F30014062}" type="datetimeFigureOut">
               <a:rPr lang="zh-TW" altLang="en-US" smtClean="0"/>
-              <a:t>2022/4/24</a:t>
+              <a:t>2022/5/15</a:t>
             </a:fld>
             <a:endParaRPr lang="zh-TW" altLang="en-US"/>
           </a:p>
@@ -3341,16 +3347,15 @@
           </p:cNvPicPr>
           <p:nvPr/>
         </p:nvPicPr>
-        <p:blipFill>
+        <p:blipFill rotWithShape="1">
           <a:blip r:embed="rId2"/>
-          <a:stretch>
-            <a:fillRect/>
-          </a:stretch>
+          <a:srcRect l="7912" t="2163" r="51349" b="31581"/>
+          <a:stretch/>
         </p:blipFill>
         <p:spPr>
           <a:xfrm>
-            <a:off x="1287446" y="-861237"/>
-            <a:ext cx="7983043" cy="3642319"/>
+            <a:off x="8243740" y="311065"/>
+            <a:ext cx="3252247" cy="2413263"/>
           </a:xfrm>
           <a:prstGeom prst="rect">
             <a:avLst/>
@@ -3359,15 +3364,44 @@
       </p:pic>
       <p:pic>
         <p:nvPicPr>
-          <p:cNvPr id="1026" name="Picture 2" descr="https://lh6.googleusercontent.com/P-Q_MlshosAngd73kxZrVkU6jEdQ-JyVLdQpn8jHJ3KSmLMfN-4zVUyDzc2F3RXyIzvGZFby9jpQEbGVItK3ZdTEGcp3pm0gnkyIdko-ZJHO8hmv7o2H3b8QI9THsivbAhh6xTHT5Mk">
-            <a:extLst>
-              <a:ext uri="{FF2B5EF4-FFF2-40B4-BE49-F238E27FC236}">
-                <a16:creationId xmlns:a16="http://schemas.microsoft.com/office/drawing/2014/main" id="{6185B226-ED00-4FFA-843B-AC39F934A6FD}"/>
+          <p:cNvPr id="6" name="圖片 5">
+            <a:extLst>
+              <a:ext uri="{FF2B5EF4-FFF2-40B4-BE49-F238E27FC236}">
+                <a16:creationId xmlns:a16="http://schemas.microsoft.com/office/drawing/2014/main" id="{6F1ABEFA-CC77-4375-8CBC-182B53AC55F8}"/>
               </a:ext>
             </a:extLst>
           </p:cNvPr>
           <p:cNvPicPr>
-            <a:picLocks noChangeAspect="1" noChangeArrowheads="1"/>
+            <a:picLocks noChangeAspect="1"/>
+          </p:cNvPicPr>
+          <p:nvPr/>
+        </p:nvPicPr>
+        <p:blipFill rotWithShape="1">
+          <a:blip r:embed="rId2"/>
+          <a:srcRect l="49222" t="2725" r="5670" b="33089"/>
+          <a:stretch/>
+        </p:blipFill>
+        <p:spPr>
+          <a:xfrm>
+            <a:off x="848413" y="3429000"/>
+            <a:ext cx="3601039" cy="2337848"/>
+          </a:xfrm>
+          <a:prstGeom prst="rect">
+            <a:avLst/>
+          </a:prstGeom>
+        </p:spPr>
+      </p:pic>
+      <p:pic>
+        <p:nvPicPr>
+          <p:cNvPr id="3" name="圖片 2">
+            <a:extLst>
+              <a:ext uri="{FF2B5EF4-FFF2-40B4-BE49-F238E27FC236}">
+                <a16:creationId xmlns:a16="http://schemas.microsoft.com/office/drawing/2014/main" id="{678CF82A-8D90-4512-8992-4CEDAC900942}"/>
+              </a:ext>
+            </a:extLst>
+          </p:cNvPr>
+          <p:cNvPicPr>
+            <a:picLocks noChangeAspect="1"/>
           </p:cNvPicPr>
           <p:nvPr/>
         </p:nvPicPr>
@@ -3379,42 +3413,31 @@
               </a:ext>
             </a:extLst>
           </a:blip>
-          <a:srcRect/>
           <a:stretch>
             <a:fillRect/>
           </a:stretch>
         </p:blipFill>
-        <p:spPr bwMode="auto">
+        <p:spPr>
           <a:xfrm>
-            <a:off x="2247785" y="2781082"/>
-            <a:ext cx="3031182" cy="3031182"/>
+            <a:off x="11533761" y="263931"/>
+            <a:ext cx="3002370" cy="2207099"/>
           </a:xfrm>
           <a:prstGeom prst="rect">
             <a:avLst/>
           </a:prstGeom>
-          <a:noFill/>
-          <a:extLst>
-            <a:ext uri="{909E8E84-426E-40DD-AFC4-6F175D3DCCD1}">
-              <a14:hiddenFill xmlns:a14="http://schemas.microsoft.com/office/drawing/2010/main">
-                <a:solidFill>
-                  <a:srgbClr val="FFFFFF"/>
-                </a:solidFill>
-              </a14:hiddenFill>
-            </a:ext>
-          </a:extLst>
         </p:spPr>
       </p:pic>
       <p:pic>
         <p:nvPicPr>
-          <p:cNvPr id="1028" name="Picture 4" descr="https://lh5.googleusercontent.com/GOyx30YLtzliWX_TIvflEJcmKc0AC4VxAT4enKbeHRiTngbvBxZC7vHgjqe4fkls_s_rsMF3XrPeXCa1eMOcear-5UUS1W21H3X-6CY515rZMYRH8FZqBKNlu_SaubsIncGwLbw6-NQ">
-            <a:extLst>
-              <a:ext uri="{FF2B5EF4-FFF2-40B4-BE49-F238E27FC236}">
-                <a16:creationId xmlns:a16="http://schemas.microsoft.com/office/drawing/2014/main" id="{15F0C587-5EC8-49D4-8DD7-4A1D66CCB165}"/>
+          <p:cNvPr id="8" name="圖片 7">
+            <a:extLst>
+              <a:ext uri="{FF2B5EF4-FFF2-40B4-BE49-F238E27FC236}">
+                <a16:creationId xmlns:a16="http://schemas.microsoft.com/office/drawing/2014/main" id="{1E931413-1FC6-47DA-ACFC-67FE600DD025}"/>
               </a:ext>
             </a:extLst>
           </p:cNvPr>
           <p:cNvPicPr>
-            <a:picLocks noChangeAspect="1" noChangeArrowheads="1"/>
+            <a:picLocks noChangeAspect="1"/>
           </p:cNvPicPr>
           <p:nvPr/>
         </p:nvPicPr>
@@ -3426,29 +3449,18 @@
               </a:ext>
             </a:extLst>
           </a:blip>
-          <a:srcRect/>
           <a:stretch>
             <a:fillRect/>
           </a:stretch>
         </p:blipFill>
-        <p:spPr bwMode="auto">
+        <p:spPr>
           <a:xfrm>
-            <a:off x="5397444" y="2781082"/>
-            <a:ext cx="3031182" cy="3031182"/>
+            <a:off x="4481691" y="3372438"/>
+            <a:ext cx="3016731" cy="2217657"/>
           </a:xfrm>
           <a:prstGeom prst="rect">
             <a:avLst/>
           </a:prstGeom>
-          <a:noFill/>
-          <a:extLst>
-            <a:ext uri="{909E8E84-426E-40DD-AFC4-6F175D3DCCD1}">
-              <a14:hiddenFill xmlns:a14="http://schemas.microsoft.com/office/drawing/2010/main">
-                <a:solidFill>
-                  <a:srgbClr val="FFFFFF"/>
-                </a:solidFill>
-              </a14:hiddenFill>
-            </a:ext>
-          </a:extLst>
         </p:spPr>
       </p:pic>
     </p:spTree>
@@ -3563,8 +3575,8 @@
         </p:blipFill>
         <p:spPr>
           <a:xfrm>
-            <a:off x="671115" y="1761822"/>
-            <a:ext cx="3741488" cy="2848278"/>
+            <a:off x="-1134481" y="1997491"/>
+            <a:ext cx="5579474" cy="4247479"/>
           </a:xfrm>
           <a:prstGeom prst="rect">
             <a:avLst/>
@@ -3600,7 +3612,7 @@
         </p:blipFill>
         <p:spPr bwMode="auto">
           <a:xfrm>
-            <a:off x="4412603" y="1719111"/>
+            <a:off x="8880909" y="-1712245"/>
             <a:ext cx="2933700" cy="2933700"/>
           </a:xfrm>
           <a:prstGeom prst="rect">
@@ -3616,6 +3628,77 @@
               </a14:hiddenFill>
             </a:ext>
           </a:extLst>
+        </p:spPr>
+      </p:pic>
+      <p:pic>
+        <p:nvPicPr>
+          <p:cNvPr id="7" name="圖片 6">
+            <a:extLst>
+              <a:ext uri="{FF2B5EF4-FFF2-40B4-BE49-F238E27FC236}">
+                <a16:creationId xmlns:a16="http://schemas.microsoft.com/office/drawing/2014/main" id="{9A88619B-FB10-4EA7-8829-E51A82CE3051}"/>
+              </a:ext>
+            </a:extLst>
+          </p:cNvPr>
+          <p:cNvPicPr>
+            <a:picLocks noChangeAspect="1"/>
+          </p:cNvPicPr>
+          <p:nvPr/>
+        </p:nvPicPr>
+        <p:blipFill>
+          <a:blip r:embed="rId4">
+            <a:extLst>
+              <a:ext uri="{28A0092B-C50C-407E-A947-70E740481C1C}">
+                <a14:useLocalDpi xmlns:a14="http://schemas.microsoft.com/office/drawing/2010/main" val="0"/>
+              </a:ext>
+            </a:extLst>
+          </a:blip>
+          <a:stretch>
+            <a:fillRect/>
+          </a:stretch>
+        </p:blipFill>
+        <p:spPr>
+          <a:xfrm>
+            <a:off x="4473266" y="1997491"/>
+            <a:ext cx="5377619" cy="4247479"/>
+          </a:xfrm>
+          <a:prstGeom prst="rect">
+            <a:avLst/>
+          </a:prstGeom>
+        </p:spPr>
+      </p:pic>
+      <p:pic>
+        <p:nvPicPr>
+          <p:cNvPr id="3" name="圖片 2">
+            <a:extLst>
+              <a:ext uri="{FF2B5EF4-FFF2-40B4-BE49-F238E27FC236}">
+                <a16:creationId xmlns:a16="http://schemas.microsoft.com/office/drawing/2014/main" id="{BA7C2F50-C3C6-446F-B146-4F9AC27292AC}"/>
+              </a:ext>
+            </a:extLst>
+          </p:cNvPr>
+          <p:cNvPicPr>
+            <a:picLocks noChangeAspect="1"/>
+          </p:cNvPicPr>
+          <p:nvPr/>
+        </p:nvPicPr>
+        <p:blipFill rotWithShape="1">
+          <a:blip r:embed="rId5">
+            <a:extLst>
+              <a:ext uri="{28A0092B-C50C-407E-A947-70E740481C1C}">
+                <a14:useLocalDpi xmlns:a14="http://schemas.microsoft.com/office/drawing/2010/main" val="0"/>
+              </a:ext>
+            </a:extLst>
+          </a:blip>
+          <a:srcRect l="3103" t="7524" r="6800" b="5234"/>
+          <a:stretch/>
+        </p:blipFill>
+        <p:spPr>
+          <a:xfrm>
+            <a:off x="6278248" y="3497344"/>
+            <a:ext cx="2743203" cy="1973529"/>
+          </a:xfrm>
+          <a:prstGeom prst="rect">
+            <a:avLst/>
+          </a:prstGeom>
         </p:spPr>
       </p:pic>
     </p:spTree>
@@ -3725,6 +3808,55 @@
           </a:extLst>
         </p:spPr>
       </p:pic>
+      <p:sp>
+        <p:nvSpPr>
+          <p:cNvPr id="2" name="矩形 1">
+            <a:extLst>
+              <a:ext uri="{FF2B5EF4-FFF2-40B4-BE49-F238E27FC236}">
+                <a16:creationId xmlns:a16="http://schemas.microsoft.com/office/drawing/2014/main" id="{F8086238-2BA8-4BBE-951B-ADF8258267CD}"/>
+              </a:ext>
+            </a:extLst>
+          </p:cNvPr>
+          <p:cNvSpPr/>
+          <p:nvPr/>
+        </p:nvSpPr>
+        <p:spPr>
+          <a:xfrm>
+            <a:off x="6764694" y="1457223"/>
+            <a:ext cx="4333492" cy="2862850"/>
+          </a:xfrm>
+          <a:prstGeom prst="rect">
+            <a:avLst/>
+          </a:prstGeom>
+          <a:solidFill>
+            <a:srgbClr val="0404FF"/>
+          </a:solidFill>
+        </p:spPr>
+        <p:style>
+          <a:lnRef idx="2">
+            <a:schemeClr val="accent1">
+              <a:shade val="50000"/>
+            </a:schemeClr>
+          </a:lnRef>
+          <a:fillRef idx="1">
+            <a:schemeClr val="accent1"/>
+          </a:fillRef>
+          <a:effectRef idx="0">
+            <a:schemeClr val="accent1"/>
+          </a:effectRef>
+          <a:fontRef idx="minor">
+            <a:schemeClr val="lt1"/>
+          </a:fontRef>
+        </p:style>
+        <p:txBody>
+          <a:bodyPr rtlCol="0" anchor="ctr"/>
+          <a:lstStyle/>
+          <a:p>
+            <a:pPr algn="ctr"/>
+            <a:endParaRPr lang="zh-TW" altLang="en-US"/>
+          </a:p>
+        </p:txBody>
+      </p:sp>
     </p:spTree>
     <p:extLst>
       <p:ext uri="{BB962C8B-B14F-4D97-AF65-F5344CB8AC3E}">
@@ -4050,6 +4182,36 @@
     <p:extLst>
       <p:ext uri="{BB962C8B-B14F-4D97-AF65-F5344CB8AC3E}">
         <p14:creationId xmlns:p14="http://schemas.microsoft.com/office/powerpoint/2010/main" val="4050139287"/>
+      </p:ext>
+    </p:extLst>
+  </p:cSld>
+  <p:clrMapOvr>
+    <a:masterClrMapping/>
+  </p:clrMapOvr>
+</p:sld>
+</file>
+
+<file path=ppt/slides/slide8.xml><?xml version="1.0" encoding="utf-8"?>
+<p:sld xmlns:a="http://schemas.openxmlformats.org/drawingml/2006/main" xmlns:r="http://schemas.openxmlformats.org/officeDocument/2006/relationships" xmlns:p="http://schemas.openxmlformats.org/presentationml/2006/main">
+  <p:cSld>
+    <p:spTree>
+      <p:nvGrpSpPr>
+        <p:cNvPr id="1" name=""/>
+        <p:cNvGrpSpPr/>
+        <p:nvPr/>
+      </p:nvGrpSpPr>
+      <p:grpSpPr>
+        <a:xfrm>
+          <a:off x="0" y="0"/>
+          <a:ext cx="0" cy="0"/>
+          <a:chOff x="0" y="0"/>
+          <a:chExt cx="0" cy="0"/>
+        </a:xfrm>
+      </p:grpSpPr>
+    </p:spTree>
+    <p:extLst>
+      <p:ext uri="{BB962C8B-B14F-4D97-AF65-F5344CB8AC3E}">
+        <p14:creationId xmlns:p14="http://schemas.microsoft.com/office/powerpoint/2010/main" val="2614521185"/>
       </p:ext>
     </p:extLst>
   </p:cSld>

--- a/figs/fig.pptx
+++ b/figs/fig.pptx
@@ -266,7 +266,7 @@
           <a:p>
             <a:fld id="{50926853-D7E0-4676-A527-160F30014062}" type="datetimeFigureOut">
               <a:rPr lang="zh-TW" altLang="en-US" smtClean="0"/>
-              <a:t>2022/5/15</a:t>
+              <a:t>2022/5/29</a:t>
             </a:fld>
             <a:endParaRPr lang="zh-TW" altLang="en-US"/>
           </a:p>
@@ -464,7 +464,7 @@
           <a:p>
             <a:fld id="{50926853-D7E0-4676-A527-160F30014062}" type="datetimeFigureOut">
               <a:rPr lang="zh-TW" altLang="en-US" smtClean="0"/>
-              <a:t>2022/5/15</a:t>
+              <a:t>2022/5/29</a:t>
             </a:fld>
             <a:endParaRPr lang="zh-TW" altLang="en-US"/>
           </a:p>
@@ -672,7 +672,7 @@
           <a:p>
             <a:fld id="{50926853-D7E0-4676-A527-160F30014062}" type="datetimeFigureOut">
               <a:rPr lang="zh-TW" altLang="en-US" smtClean="0"/>
-              <a:t>2022/5/15</a:t>
+              <a:t>2022/5/29</a:t>
             </a:fld>
             <a:endParaRPr lang="zh-TW" altLang="en-US"/>
           </a:p>
@@ -870,7 +870,7 @@
           <a:p>
             <a:fld id="{50926853-D7E0-4676-A527-160F30014062}" type="datetimeFigureOut">
               <a:rPr lang="zh-TW" altLang="en-US" smtClean="0"/>
-              <a:t>2022/5/15</a:t>
+              <a:t>2022/5/29</a:t>
             </a:fld>
             <a:endParaRPr lang="zh-TW" altLang="en-US"/>
           </a:p>
@@ -1145,7 +1145,7 @@
           <a:p>
             <a:fld id="{50926853-D7E0-4676-A527-160F30014062}" type="datetimeFigureOut">
               <a:rPr lang="zh-TW" altLang="en-US" smtClean="0"/>
-              <a:t>2022/5/15</a:t>
+              <a:t>2022/5/29</a:t>
             </a:fld>
             <a:endParaRPr lang="zh-TW" altLang="en-US"/>
           </a:p>
@@ -1410,7 +1410,7 @@
           <a:p>
             <a:fld id="{50926853-D7E0-4676-A527-160F30014062}" type="datetimeFigureOut">
               <a:rPr lang="zh-TW" altLang="en-US" smtClean="0"/>
-              <a:t>2022/5/15</a:t>
+              <a:t>2022/5/29</a:t>
             </a:fld>
             <a:endParaRPr lang="zh-TW" altLang="en-US"/>
           </a:p>
@@ -1822,7 +1822,7 @@
           <a:p>
             <a:fld id="{50926853-D7E0-4676-A527-160F30014062}" type="datetimeFigureOut">
               <a:rPr lang="zh-TW" altLang="en-US" smtClean="0"/>
-              <a:t>2022/5/15</a:t>
+              <a:t>2022/5/29</a:t>
             </a:fld>
             <a:endParaRPr lang="zh-TW" altLang="en-US"/>
           </a:p>
@@ -1963,7 +1963,7 @@
           <a:p>
             <a:fld id="{50926853-D7E0-4676-A527-160F30014062}" type="datetimeFigureOut">
               <a:rPr lang="zh-TW" altLang="en-US" smtClean="0"/>
-              <a:t>2022/5/15</a:t>
+              <a:t>2022/5/29</a:t>
             </a:fld>
             <a:endParaRPr lang="zh-TW" altLang="en-US"/>
           </a:p>
@@ -2076,7 +2076,7 @@
           <a:p>
             <a:fld id="{50926853-D7E0-4676-A527-160F30014062}" type="datetimeFigureOut">
               <a:rPr lang="zh-TW" altLang="en-US" smtClean="0"/>
-              <a:t>2022/5/15</a:t>
+              <a:t>2022/5/29</a:t>
             </a:fld>
             <a:endParaRPr lang="zh-TW" altLang="en-US"/>
           </a:p>
@@ -2387,7 +2387,7 @@
           <a:p>
             <a:fld id="{50926853-D7E0-4676-A527-160F30014062}" type="datetimeFigureOut">
               <a:rPr lang="zh-TW" altLang="en-US" smtClean="0"/>
-              <a:t>2022/5/15</a:t>
+              <a:t>2022/5/29</a:t>
             </a:fld>
             <a:endParaRPr lang="zh-TW" altLang="en-US"/>
           </a:p>
@@ -2675,7 +2675,7 @@
           <a:p>
             <a:fld id="{50926853-D7E0-4676-A527-160F30014062}" type="datetimeFigureOut">
               <a:rPr lang="zh-TW" altLang="en-US" smtClean="0"/>
-              <a:t>2022/5/15</a:t>
+              <a:t>2022/5/29</a:t>
             </a:fld>
             <a:endParaRPr lang="zh-TW" altLang="en-US"/>
           </a:p>
@@ -2916,7 +2916,7 @@
           <a:p>
             <a:fld id="{50926853-D7E0-4676-A527-160F30014062}" type="datetimeFigureOut">
               <a:rPr lang="zh-TW" altLang="en-US" smtClean="0"/>
-              <a:t>2022/5/15</a:t>
+              <a:t>2022/5/29</a:t>
             </a:fld>
             <a:endParaRPr lang="zh-TW" altLang="en-US"/>
           </a:p>
@@ -3575,8 +3575,8 @@
         </p:blipFill>
         <p:spPr>
           <a:xfrm>
-            <a:off x="-1134481" y="1997491"/>
-            <a:ext cx="5579474" cy="4247479"/>
+            <a:off x="-3420483" y="7226520"/>
+            <a:ext cx="7590040" cy="5778060"/>
           </a:xfrm>
           <a:prstGeom prst="rect">
             <a:avLst/>
@@ -3695,6 +3695,78 @@
           <a:xfrm>
             <a:off x="6278248" y="3497344"/>
             <a:ext cx="2743203" cy="1973529"/>
+          </a:xfrm>
+          <a:prstGeom prst="rect">
+            <a:avLst/>
+          </a:prstGeom>
+        </p:spPr>
+      </p:pic>
+      <p:pic>
+        <p:nvPicPr>
+          <p:cNvPr id="5" name="圖片 4">
+            <a:extLst>
+              <a:ext uri="{FF2B5EF4-FFF2-40B4-BE49-F238E27FC236}">
+                <a16:creationId xmlns:a16="http://schemas.microsoft.com/office/drawing/2014/main" id="{E7101223-0051-4C0D-90F2-CF0CC2DF713B}"/>
+              </a:ext>
+            </a:extLst>
+          </p:cNvPr>
+          <p:cNvPicPr>
+            <a:picLocks noChangeAspect="1"/>
+          </p:cNvPicPr>
+          <p:nvPr/>
+        </p:nvPicPr>
+        <p:blipFill>
+          <a:blip r:embed="rId6">
+            <a:extLst>
+              <a:ext uri="{28A0092B-C50C-407E-A947-70E740481C1C}">
+                <a14:useLocalDpi xmlns:a14="http://schemas.microsoft.com/office/drawing/2010/main" val="0"/>
+              </a:ext>
+            </a:extLst>
+          </a:blip>
+          <a:stretch>
+            <a:fillRect/>
+          </a:stretch>
+        </p:blipFill>
+        <p:spPr>
+          <a:xfrm>
+            <a:off x="4444993" y="7226520"/>
+            <a:ext cx="7315447" cy="5778060"/>
+          </a:xfrm>
+          <a:prstGeom prst="rect">
+            <a:avLst/>
+          </a:prstGeom>
+        </p:spPr>
+      </p:pic>
+      <p:pic>
+        <p:nvPicPr>
+          <p:cNvPr id="8" name="圖片 7">
+            <a:extLst>
+              <a:ext uri="{FF2B5EF4-FFF2-40B4-BE49-F238E27FC236}">
+                <a16:creationId xmlns:a16="http://schemas.microsoft.com/office/drawing/2014/main" id="{000F7FF8-C52C-4067-A561-098185F29D7D}"/>
+              </a:ext>
+            </a:extLst>
+          </p:cNvPr>
+          <p:cNvPicPr>
+            <a:picLocks noChangeAspect="1"/>
+          </p:cNvPicPr>
+          <p:nvPr/>
+        </p:nvPicPr>
+        <p:blipFill>
+          <a:blip r:embed="rId7">
+            <a:extLst>
+              <a:ext uri="{28A0092B-C50C-407E-A947-70E740481C1C}">
+                <a14:useLocalDpi xmlns:a14="http://schemas.microsoft.com/office/drawing/2010/main" val="0"/>
+              </a:ext>
+            </a:extLst>
+          </a:blip>
+          <a:stretch>
+            <a:fillRect/>
+          </a:stretch>
+        </p:blipFill>
+        <p:spPr>
+          <a:xfrm>
+            <a:off x="6859704" y="9258975"/>
+            <a:ext cx="3754124" cy="2789196"/>
           </a:xfrm>
           <a:prstGeom prst="rect">
             <a:avLst/>
@@ -3753,8 +3825,8 @@
         </p:blipFill>
         <p:spPr>
           <a:xfrm>
-            <a:off x="-714758" y="1009354"/>
-            <a:ext cx="5487166" cy="4248743"/>
+            <a:off x="-3343659" y="7197948"/>
+            <a:ext cx="7314627" cy="5663756"/>
           </a:xfrm>
           <a:prstGeom prst="rect">
             <a:avLst/>
@@ -3822,7 +3894,7 @@
         </p:nvSpPr>
         <p:spPr>
           <a:xfrm>
-            <a:off x="6764694" y="1457223"/>
+            <a:off x="3792894" y="-4672115"/>
             <a:ext cx="4333492" cy="2862850"/>
           </a:xfrm>
           <a:prstGeom prst="rect">
@@ -3857,6 +3929,42 @@
           </a:p>
         </p:txBody>
       </p:sp>
+      <p:pic>
+        <p:nvPicPr>
+          <p:cNvPr id="5" name="圖片 4">
+            <a:extLst>
+              <a:ext uri="{FF2B5EF4-FFF2-40B4-BE49-F238E27FC236}">
+                <a16:creationId xmlns:a16="http://schemas.microsoft.com/office/drawing/2014/main" id="{42C444C9-2164-407F-959B-C4144EF69989}"/>
+              </a:ext>
+            </a:extLst>
+          </p:cNvPr>
+          <p:cNvPicPr>
+            <a:picLocks noChangeAspect="1"/>
+          </p:cNvPicPr>
+          <p:nvPr/>
+        </p:nvPicPr>
+        <p:blipFill>
+          <a:blip r:embed="rId4">
+            <a:extLst>
+              <a:ext uri="{28A0092B-C50C-407E-A947-70E740481C1C}">
+                <a14:useLocalDpi xmlns:a14="http://schemas.microsoft.com/office/drawing/2010/main" val="0"/>
+              </a:ext>
+            </a:extLst>
+          </a:blip>
+          <a:stretch>
+            <a:fillRect/>
+          </a:stretch>
+        </p:blipFill>
+        <p:spPr>
+          <a:xfrm>
+            <a:off x="4468662" y="7197948"/>
+            <a:ext cx="7315447" cy="5663756"/>
+          </a:xfrm>
+          <a:prstGeom prst="rect">
+            <a:avLst/>
+          </a:prstGeom>
+        </p:spPr>
+      </p:pic>
     </p:spTree>
     <p:extLst>
       <p:ext uri="{BB962C8B-B14F-4D97-AF65-F5344CB8AC3E}">
@@ -3909,7 +4017,7 @@
         </p:blipFill>
         <p:spPr>
           <a:xfrm>
-            <a:off x="-857630" y="866478"/>
+            <a:off x="-471868" y="5495628"/>
             <a:ext cx="5449060" cy="4248743"/>
           </a:xfrm>
           <a:prstGeom prst="rect">
@@ -3962,6 +4070,78 @@
               </a14:hiddenFill>
             </a:ext>
           </a:extLst>
+        </p:spPr>
+      </p:pic>
+      <p:pic>
+        <p:nvPicPr>
+          <p:cNvPr id="6" name="圖片 5">
+            <a:extLst>
+              <a:ext uri="{FF2B5EF4-FFF2-40B4-BE49-F238E27FC236}">
+                <a16:creationId xmlns:a16="http://schemas.microsoft.com/office/drawing/2014/main" id="{F4251FFF-894A-4152-A294-3DF9ED50A326}"/>
+              </a:ext>
+            </a:extLst>
+          </p:cNvPr>
+          <p:cNvPicPr>
+            <a:picLocks noChangeAspect="1"/>
+          </p:cNvPicPr>
+          <p:nvPr/>
+        </p:nvPicPr>
+        <p:blipFill>
+          <a:blip r:embed="rId4">
+            <a:extLst>
+              <a:ext uri="{28A0092B-C50C-407E-A947-70E740481C1C}">
+                <a14:useLocalDpi xmlns:a14="http://schemas.microsoft.com/office/drawing/2010/main" val="0"/>
+              </a:ext>
+            </a:extLst>
+          </a:blip>
+          <a:stretch>
+            <a:fillRect/>
+          </a:stretch>
+        </p:blipFill>
+        <p:spPr>
+          <a:xfrm>
+            <a:off x="5238914" y="9958683"/>
+            <a:ext cx="5454755" cy="4248743"/>
+          </a:xfrm>
+          <a:prstGeom prst="rect">
+            <a:avLst/>
+          </a:prstGeom>
+        </p:spPr>
+      </p:pic>
+      <p:pic>
+        <p:nvPicPr>
+          <p:cNvPr id="8" name="圖片 7">
+            <a:extLst>
+              <a:ext uri="{FF2B5EF4-FFF2-40B4-BE49-F238E27FC236}">
+                <a16:creationId xmlns:a16="http://schemas.microsoft.com/office/drawing/2014/main" id="{C75AEC84-5F55-412F-8E0F-AAE6CC11A47E}"/>
+              </a:ext>
+            </a:extLst>
+          </p:cNvPr>
+          <p:cNvPicPr>
+            <a:picLocks noChangeAspect="1"/>
+          </p:cNvPicPr>
+          <p:nvPr/>
+        </p:nvPicPr>
+        <p:blipFill>
+          <a:blip r:embed="rId5">
+            <a:extLst>
+              <a:ext uri="{28A0092B-C50C-407E-A947-70E740481C1C}">
+                <a14:useLocalDpi xmlns:a14="http://schemas.microsoft.com/office/drawing/2010/main" val="0"/>
+              </a:ext>
+            </a:extLst>
+          </a:blip>
+          <a:stretch>
+            <a:fillRect/>
+          </a:stretch>
+        </p:blipFill>
+        <p:spPr>
+          <a:xfrm>
+            <a:off x="5238914" y="5495628"/>
+            <a:ext cx="5454756" cy="4248743"/>
+          </a:xfrm>
+          <a:prstGeom prst="rect">
+            <a:avLst/>
+          </a:prstGeom>
         </p:spPr>
       </p:pic>
     </p:spTree>
@@ -4208,6 +4388,72 @@
           <a:chExt cx="0" cy="0"/>
         </a:xfrm>
       </p:grpSpPr>
+      <p:pic>
+        <p:nvPicPr>
+          <p:cNvPr id="2" name="圖片 1">
+            <a:extLst>
+              <a:ext uri="{FF2B5EF4-FFF2-40B4-BE49-F238E27FC236}">
+                <a16:creationId xmlns:a16="http://schemas.microsoft.com/office/drawing/2014/main" id="{7A257A43-B3C7-426D-92A5-0095E57BF398}"/>
+              </a:ext>
+            </a:extLst>
+          </p:cNvPr>
+          <p:cNvPicPr>
+            <a:picLocks noChangeAspect="1"/>
+          </p:cNvPicPr>
+          <p:nvPr/>
+        </p:nvPicPr>
+        <p:blipFill>
+          <a:blip r:embed="rId2"/>
+          <a:stretch>
+            <a:fillRect/>
+          </a:stretch>
+        </p:blipFill>
+        <p:spPr>
+          <a:xfrm>
+            <a:off x="-186116" y="237823"/>
+            <a:ext cx="5420481" cy="4324954"/>
+          </a:xfrm>
+          <a:prstGeom prst="rect">
+            <a:avLst/>
+          </a:prstGeom>
+        </p:spPr>
+      </p:pic>
+      <p:pic>
+        <p:nvPicPr>
+          <p:cNvPr id="4" name="圖片 3">
+            <a:extLst>
+              <a:ext uri="{FF2B5EF4-FFF2-40B4-BE49-F238E27FC236}">
+                <a16:creationId xmlns:a16="http://schemas.microsoft.com/office/drawing/2014/main" id="{1A099AC8-764F-4E63-AD71-F4FE869F8610}"/>
+              </a:ext>
+            </a:extLst>
+          </p:cNvPr>
+          <p:cNvPicPr>
+            <a:picLocks noChangeAspect="1"/>
+          </p:cNvPicPr>
+          <p:nvPr/>
+        </p:nvPicPr>
+        <p:blipFill>
+          <a:blip r:embed="rId3">
+            <a:extLst>
+              <a:ext uri="{28A0092B-C50C-407E-A947-70E740481C1C}">
+                <a14:useLocalDpi xmlns:a14="http://schemas.microsoft.com/office/drawing/2010/main" val="0"/>
+              </a:ext>
+            </a:extLst>
+          </a:blip>
+          <a:stretch>
+            <a:fillRect/>
+          </a:stretch>
+        </p:blipFill>
+        <p:spPr>
+          <a:xfrm>
+            <a:off x="5234365" y="129803"/>
+            <a:ext cx="5662881" cy="4432974"/>
+          </a:xfrm>
+          <a:prstGeom prst="rect">
+            <a:avLst/>
+          </a:prstGeom>
+        </p:spPr>
+      </p:pic>
     </p:spTree>
     <p:extLst>
       <p:ext uri="{BB962C8B-B14F-4D97-AF65-F5344CB8AC3E}">

--- a/figs/fig.pptx
+++ b/figs/fig.pptx
@@ -13,6 +13,10 @@
     <p:sldId id="261" r:id="rId7"/>
     <p:sldId id="262" r:id="rId8"/>
     <p:sldId id="263" r:id="rId9"/>
+    <p:sldId id="264" r:id="rId10"/>
+    <p:sldId id="265" r:id="rId11"/>
+    <p:sldId id="266" r:id="rId12"/>
+    <p:sldId id="267" r:id="rId13"/>
   </p:sldIdLst>
   <p:sldSz cx="12192000" cy="6858000"/>
   <p:notesSz cx="6858000" cy="9144000"/>
@@ -266,7 +270,7 @@
           <a:p>
             <a:fld id="{50926853-D7E0-4676-A527-160F30014062}" type="datetimeFigureOut">
               <a:rPr lang="zh-TW" altLang="en-US" smtClean="0"/>
-              <a:t>2022/5/29</a:t>
+              <a:t>2022/7/3</a:t>
             </a:fld>
             <a:endParaRPr lang="zh-TW" altLang="en-US"/>
           </a:p>
@@ -464,7 +468,7 @@
           <a:p>
             <a:fld id="{50926853-D7E0-4676-A527-160F30014062}" type="datetimeFigureOut">
               <a:rPr lang="zh-TW" altLang="en-US" smtClean="0"/>
-              <a:t>2022/5/29</a:t>
+              <a:t>2022/7/3</a:t>
             </a:fld>
             <a:endParaRPr lang="zh-TW" altLang="en-US"/>
           </a:p>
@@ -672,7 +676,7 @@
           <a:p>
             <a:fld id="{50926853-D7E0-4676-A527-160F30014062}" type="datetimeFigureOut">
               <a:rPr lang="zh-TW" altLang="en-US" smtClean="0"/>
-              <a:t>2022/5/29</a:t>
+              <a:t>2022/7/3</a:t>
             </a:fld>
             <a:endParaRPr lang="zh-TW" altLang="en-US"/>
           </a:p>
@@ -870,7 +874,7 @@
           <a:p>
             <a:fld id="{50926853-D7E0-4676-A527-160F30014062}" type="datetimeFigureOut">
               <a:rPr lang="zh-TW" altLang="en-US" smtClean="0"/>
-              <a:t>2022/5/29</a:t>
+              <a:t>2022/7/3</a:t>
             </a:fld>
             <a:endParaRPr lang="zh-TW" altLang="en-US"/>
           </a:p>
@@ -1145,7 +1149,7 @@
           <a:p>
             <a:fld id="{50926853-D7E0-4676-A527-160F30014062}" type="datetimeFigureOut">
               <a:rPr lang="zh-TW" altLang="en-US" smtClean="0"/>
-              <a:t>2022/5/29</a:t>
+              <a:t>2022/7/3</a:t>
             </a:fld>
             <a:endParaRPr lang="zh-TW" altLang="en-US"/>
           </a:p>
@@ -1410,7 +1414,7 @@
           <a:p>
             <a:fld id="{50926853-D7E0-4676-A527-160F30014062}" type="datetimeFigureOut">
               <a:rPr lang="zh-TW" altLang="en-US" smtClean="0"/>
-              <a:t>2022/5/29</a:t>
+              <a:t>2022/7/3</a:t>
             </a:fld>
             <a:endParaRPr lang="zh-TW" altLang="en-US"/>
           </a:p>
@@ -1822,7 +1826,7 @@
           <a:p>
             <a:fld id="{50926853-D7E0-4676-A527-160F30014062}" type="datetimeFigureOut">
               <a:rPr lang="zh-TW" altLang="en-US" smtClean="0"/>
-              <a:t>2022/5/29</a:t>
+              <a:t>2022/7/3</a:t>
             </a:fld>
             <a:endParaRPr lang="zh-TW" altLang="en-US"/>
           </a:p>
@@ -1963,7 +1967,7 @@
           <a:p>
             <a:fld id="{50926853-D7E0-4676-A527-160F30014062}" type="datetimeFigureOut">
               <a:rPr lang="zh-TW" altLang="en-US" smtClean="0"/>
-              <a:t>2022/5/29</a:t>
+              <a:t>2022/7/3</a:t>
             </a:fld>
             <a:endParaRPr lang="zh-TW" altLang="en-US"/>
           </a:p>
@@ -2076,7 +2080,7 @@
           <a:p>
             <a:fld id="{50926853-D7E0-4676-A527-160F30014062}" type="datetimeFigureOut">
               <a:rPr lang="zh-TW" altLang="en-US" smtClean="0"/>
-              <a:t>2022/5/29</a:t>
+              <a:t>2022/7/3</a:t>
             </a:fld>
             <a:endParaRPr lang="zh-TW" altLang="en-US"/>
           </a:p>
@@ -2387,7 +2391,7 @@
           <a:p>
             <a:fld id="{50926853-D7E0-4676-A527-160F30014062}" type="datetimeFigureOut">
               <a:rPr lang="zh-TW" altLang="en-US" smtClean="0"/>
-              <a:t>2022/5/29</a:t>
+              <a:t>2022/7/3</a:t>
             </a:fld>
             <a:endParaRPr lang="zh-TW" altLang="en-US"/>
           </a:p>
@@ -2675,7 +2679,7 @@
           <a:p>
             <a:fld id="{50926853-D7E0-4676-A527-160F30014062}" type="datetimeFigureOut">
               <a:rPr lang="zh-TW" altLang="en-US" smtClean="0"/>
-              <a:t>2022/5/29</a:t>
+              <a:t>2022/7/3</a:t>
             </a:fld>
             <a:endParaRPr lang="zh-TW" altLang="en-US"/>
           </a:p>
@@ -2916,7 +2920,7 @@
           <a:p>
             <a:fld id="{50926853-D7E0-4676-A527-160F30014062}" type="datetimeFigureOut">
               <a:rPr lang="zh-TW" altLang="en-US" smtClean="0"/>
-              <a:t>2022/5/29</a:t>
+              <a:t>2022/7/3</a:t>
             </a:fld>
             <a:endParaRPr lang="zh-TW" altLang="en-US"/>
           </a:p>
@@ -3476,6 +3480,292 @@
 </p:sld>
 </file>
 
+<file path=ppt/slides/slide10.xml><?xml version="1.0" encoding="utf-8"?>
+<p:sld xmlns:a="http://schemas.openxmlformats.org/drawingml/2006/main" xmlns:r="http://schemas.openxmlformats.org/officeDocument/2006/relationships" xmlns:p="http://schemas.openxmlformats.org/presentationml/2006/main">
+  <p:cSld>
+    <p:spTree>
+      <p:nvGrpSpPr>
+        <p:cNvPr id="1" name=""/>
+        <p:cNvGrpSpPr/>
+        <p:nvPr/>
+      </p:nvGrpSpPr>
+      <p:grpSpPr>
+        <a:xfrm>
+          <a:off x="0" y="0"/>
+          <a:ext cx="0" cy="0"/>
+          <a:chOff x="0" y="0"/>
+          <a:chExt cx="0" cy="0"/>
+        </a:xfrm>
+      </p:grpSpPr>
+      <p:pic>
+        <p:nvPicPr>
+          <p:cNvPr id="4" name="圖片 3">
+            <a:extLst>
+              <a:ext uri="{FF2B5EF4-FFF2-40B4-BE49-F238E27FC236}">
+                <a16:creationId xmlns:a16="http://schemas.microsoft.com/office/drawing/2014/main" id="{4252595F-4564-4148-86F8-418377383283}"/>
+              </a:ext>
+            </a:extLst>
+          </p:cNvPr>
+          <p:cNvPicPr>
+            <a:picLocks noChangeAspect="1"/>
+          </p:cNvPicPr>
+          <p:nvPr/>
+        </p:nvPicPr>
+        <p:blipFill rotWithShape="1">
+          <a:blip r:embed="rId2"/>
+          <a:srcRect l="390"/>
+          <a:stretch/>
+        </p:blipFill>
+        <p:spPr>
+          <a:xfrm>
+            <a:off x="-326397" y="779603"/>
+            <a:ext cx="5440111" cy="4547406"/>
+          </a:xfrm>
+          <a:prstGeom prst="rect">
+            <a:avLst/>
+          </a:prstGeom>
+        </p:spPr>
+      </p:pic>
+      <p:pic>
+        <p:nvPicPr>
+          <p:cNvPr id="8" name="圖片 7">
+            <a:extLst>
+              <a:ext uri="{FF2B5EF4-FFF2-40B4-BE49-F238E27FC236}">
+                <a16:creationId xmlns:a16="http://schemas.microsoft.com/office/drawing/2014/main" id="{E9D32C8D-B603-48CA-838D-FB26EA9465B7}"/>
+              </a:ext>
+            </a:extLst>
+          </p:cNvPr>
+          <p:cNvPicPr>
+            <a:picLocks noChangeAspect="1"/>
+          </p:cNvPicPr>
+          <p:nvPr/>
+        </p:nvPicPr>
+        <p:blipFill>
+          <a:blip r:embed="rId3">
+            <a:extLst>
+              <a:ext uri="{28A0092B-C50C-407E-A947-70E740481C1C}">
+                <a14:useLocalDpi xmlns:a14="http://schemas.microsoft.com/office/drawing/2010/main" val="0"/>
+              </a:ext>
+            </a:extLst>
+          </a:blip>
+          <a:stretch>
+            <a:fillRect/>
+          </a:stretch>
+        </p:blipFill>
+        <p:spPr>
+          <a:xfrm>
+            <a:off x="5113714" y="541360"/>
+            <a:ext cx="6143662" cy="4809336"/>
+          </a:xfrm>
+          <a:prstGeom prst="rect">
+            <a:avLst/>
+          </a:prstGeom>
+        </p:spPr>
+      </p:pic>
+    </p:spTree>
+    <p:extLst>
+      <p:ext uri="{BB962C8B-B14F-4D97-AF65-F5344CB8AC3E}">
+        <p14:creationId xmlns:p14="http://schemas.microsoft.com/office/powerpoint/2010/main" val="751763558"/>
+      </p:ext>
+    </p:extLst>
+  </p:cSld>
+  <p:clrMapOvr>
+    <a:masterClrMapping/>
+  </p:clrMapOvr>
+</p:sld>
+</file>
+
+<file path=ppt/slides/slide11.xml><?xml version="1.0" encoding="utf-8"?>
+<p:sld xmlns:a="http://schemas.openxmlformats.org/drawingml/2006/main" xmlns:r="http://schemas.openxmlformats.org/officeDocument/2006/relationships" xmlns:p="http://schemas.openxmlformats.org/presentationml/2006/main">
+  <p:cSld>
+    <p:spTree>
+      <p:nvGrpSpPr>
+        <p:cNvPr id="1" name=""/>
+        <p:cNvGrpSpPr/>
+        <p:nvPr/>
+      </p:nvGrpSpPr>
+      <p:grpSpPr>
+        <a:xfrm>
+          <a:off x="0" y="0"/>
+          <a:ext cx="0" cy="0"/>
+          <a:chOff x="0" y="0"/>
+          <a:chExt cx="0" cy="0"/>
+        </a:xfrm>
+      </p:grpSpPr>
+      <p:pic>
+        <p:nvPicPr>
+          <p:cNvPr id="5" name="圖片 4">
+            <a:extLst>
+              <a:ext uri="{FF2B5EF4-FFF2-40B4-BE49-F238E27FC236}">
+                <a16:creationId xmlns:a16="http://schemas.microsoft.com/office/drawing/2014/main" id="{9D16E084-453F-437E-A292-436A2A57E825}"/>
+              </a:ext>
+            </a:extLst>
+          </p:cNvPr>
+          <p:cNvPicPr>
+            <a:picLocks noChangeAspect="1"/>
+          </p:cNvPicPr>
+          <p:nvPr/>
+        </p:nvPicPr>
+        <p:blipFill rotWithShape="1">
+          <a:blip r:embed="rId2"/>
+          <a:srcRect l="325"/>
+          <a:stretch/>
+        </p:blipFill>
+        <p:spPr>
+          <a:xfrm>
+            <a:off x="-377504" y="922215"/>
+            <a:ext cx="5444104" cy="4539017"/>
+          </a:xfrm>
+          <a:prstGeom prst="rect">
+            <a:avLst/>
+          </a:prstGeom>
+        </p:spPr>
+      </p:pic>
+      <p:pic>
+        <p:nvPicPr>
+          <p:cNvPr id="3" name="圖片 2">
+            <a:extLst>
+              <a:ext uri="{FF2B5EF4-FFF2-40B4-BE49-F238E27FC236}">
+                <a16:creationId xmlns:a16="http://schemas.microsoft.com/office/drawing/2014/main" id="{2D21E58D-091B-4AFA-AF72-3719611D1727}"/>
+              </a:ext>
+            </a:extLst>
+          </p:cNvPr>
+          <p:cNvPicPr>
+            <a:picLocks noChangeAspect="1"/>
+          </p:cNvPicPr>
+          <p:nvPr/>
+        </p:nvPicPr>
+        <p:blipFill>
+          <a:blip r:embed="rId3">
+            <a:extLst>
+              <a:ext uri="{28A0092B-C50C-407E-A947-70E740481C1C}">
+                <a14:useLocalDpi xmlns:a14="http://schemas.microsoft.com/office/drawing/2010/main" val="0"/>
+              </a:ext>
+            </a:extLst>
+          </a:blip>
+          <a:stretch>
+            <a:fillRect/>
+          </a:stretch>
+        </p:blipFill>
+        <p:spPr>
+          <a:xfrm>
+            <a:off x="5066600" y="693844"/>
+            <a:ext cx="6143660" cy="4809333"/>
+          </a:xfrm>
+          <a:prstGeom prst="rect">
+            <a:avLst/>
+          </a:prstGeom>
+        </p:spPr>
+      </p:pic>
+    </p:spTree>
+    <p:extLst>
+      <p:ext uri="{BB962C8B-B14F-4D97-AF65-F5344CB8AC3E}">
+        <p14:creationId xmlns:p14="http://schemas.microsoft.com/office/powerpoint/2010/main" val="837344722"/>
+      </p:ext>
+    </p:extLst>
+  </p:cSld>
+  <p:clrMapOvr>
+    <a:masterClrMapping/>
+  </p:clrMapOvr>
+</p:sld>
+</file>
+
+<file path=ppt/slides/slide12.xml><?xml version="1.0" encoding="utf-8"?>
+<p:sld xmlns:a="http://schemas.openxmlformats.org/drawingml/2006/main" xmlns:r="http://schemas.openxmlformats.org/officeDocument/2006/relationships" xmlns:p="http://schemas.openxmlformats.org/presentationml/2006/main">
+  <p:cSld>
+    <p:spTree>
+      <p:nvGrpSpPr>
+        <p:cNvPr id="1" name=""/>
+        <p:cNvGrpSpPr/>
+        <p:nvPr/>
+      </p:nvGrpSpPr>
+      <p:grpSpPr>
+        <a:xfrm>
+          <a:off x="0" y="0"/>
+          <a:ext cx="0" cy="0"/>
+          <a:chOff x="0" y="0"/>
+          <a:chExt cx="0" cy="0"/>
+        </a:xfrm>
+      </p:grpSpPr>
+      <p:pic>
+        <p:nvPicPr>
+          <p:cNvPr id="6" name="圖片 5">
+            <a:extLst>
+              <a:ext uri="{FF2B5EF4-FFF2-40B4-BE49-F238E27FC236}">
+                <a16:creationId xmlns:a16="http://schemas.microsoft.com/office/drawing/2014/main" id="{6B4444E5-D912-41EA-93F6-A08FEBC366A5}"/>
+              </a:ext>
+            </a:extLst>
+          </p:cNvPr>
+          <p:cNvPicPr>
+            <a:picLocks noChangeAspect="1"/>
+          </p:cNvPicPr>
+          <p:nvPr/>
+        </p:nvPicPr>
+        <p:blipFill>
+          <a:blip r:embed="rId2"/>
+          <a:stretch>
+            <a:fillRect/>
+          </a:stretch>
+        </p:blipFill>
+        <p:spPr>
+          <a:xfrm>
+            <a:off x="-83717" y="771788"/>
+            <a:ext cx="5751732" cy="4775920"/>
+          </a:xfrm>
+          <a:prstGeom prst="rect">
+            <a:avLst/>
+          </a:prstGeom>
+        </p:spPr>
+      </p:pic>
+      <p:pic>
+        <p:nvPicPr>
+          <p:cNvPr id="3" name="圖片 2">
+            <a:extLst>
+              <a:ext uri="{FF2B5EF4-FFF2-40B4-BE49-F238E27FC236}">
+                <a16:creationId xmlns:a16="http://schemas.microsoft.com/office/drawing/2014/main" id="{256B986B-3B47-4CEC-AF59-2FDECD0B0EC0}"/>
+              </a:ext>
+            </a:extLst>
+          </p:cNvPr>
+          <p:cNvPicPr>
+            <a:picLocks noChangeAspect="1"/>
+          </p:cNvPicPr>
+          <p:nvPr/>
+        </p:nvPicPr>
+        <p:blipFill>
+          <a:blip r:embed="rId3">
+            <a:extLst>
+              <a:ext uri="{28A0092B-C50C-407E-A947-70E740481C1C}">
+                <a14:useLocalDpi xmlns:a14="http://schemas.microsoft.com/office/drawing/2010/main" val="0"/>
+              </a:ext>
+            </a:extLst>
+          </a:blip>
+          <a:stretch>
+            <a:fillRect/>
+          </a:stretch>
+        </p:blipFill>
+        <p:spPr>
+          <a:xfrm>
+            <a:off x="5668015" y="528229"/>
+            <a:ext cx="6454078" cy="5052332"/>
+          </a:xfrm>
+          <a:prstGeom prst="rect">
+            <a:avLst/>
+          </a:prstGeom>
+        </p:spPr>
+      </p:pic>
+    </p:spTree>
+    <p:extLst>
+      <p:ext uri="{BB962C8B-B14F-4D97-AF65-F5344CB8AC3E}">
+        <p14:creationId xmlns:p14="http://schemas.microsoft.com/office/powerpoint/2010/main" val="133974419"/>
+      </p:ext>
+    </p:extLst>
+  </p:cSld>
+  <p:clrMapOvr>
+    <a:masterClrMapping/>
+  </p:clrMapOvr>
+</p:sld>
+</file>
+
 <file path=ppt/slides/slide2.xml><?xml version="1.0" encoding="utf-8"?>
 <p:sld xmlns:a="http://schemas.openxmlformats.org/drawingml/2006/main" xmlns:r="http://schemas.openxmlformats.org/officeDocument/2006/relationships" xmlns:p="http://schemas.openxmlformats.org/presentationml/2006/main">
   <p:cSld>
@@ -4458,6 +4748,296 @@
     <p:extLst>
       <p:ext uri="{BB962C8B-B14F-4D97-AF65-F5344CB8AC3E}">
         <p14:creationId xmlns:p14="http://schemas.microsoft.com/office/powerpoint/2010/main" val="2614521185"/>
+      </p:ext>
+    </p:extLst>
+  </p:cSld>
+  <p:clrMapOvr>
+    <a:masterClrMapping/>
+  </p:clrMapOvr>
+</p:sld>
+</file>
+
+<file path=ppt/slides/slide9.xml><?xml version="1.0" encoding="utf-8"?>
+<p:sld xmlns:a="http://schemas.openxmlformats.org/drawingml/2006/main" xmlns:r="http://schemas.openxmlformats.org/officeDocument/2006/relationships" xmlns:p="http://schemas.openxmlformats.org/presentationml/2006/main">
+  <p:cSld>
+    <p:spTree>
+      <p:nvGrpSpPr>
+        <p:cNvPr id="1" name=""/>
+        <p:cNvGrpSpPr/>
+        <p:nvPr/>
+      </p:nvGrpSpPr>
+      <p:grpSpPr>
+        <a:xfrm>
+          <a:off x="0" y="0"/>
+          <a:ext cx="0" cy="0"/>
+          <a:chOff x="0" y="0"/>
+          <a:chExt cx="0" cy="0"/>
+        </a:xfrm>
+      </p:grpSpPr>
+      <p:pic>
+        <p:nvPicPr>
+          <p:cNvPr id="5" name="圖片 4">
+            <a:extLst>
+              <a:ext uri="{FF2B5EF4-FFF2-40B4-BE49-F238E27FC236}">
+                <a16:creationId xmlns:a16="http://schemas.microsoft.com/office/drawing/2014/main" id="{99C99B7C-C3F5-4E39-921F-A1FAFFFDB4C7}"/>
+              </a:ext>
+            </a:extLst>
+          </p:cNvPr>
+          <p:cNvPicPr>
+            <a:picLocks noChangeAspect="1"/>
+          </p:cNvPicPr>
+          <p:nvPr/>
+        </p:nvPicPr>
+        <p:blipFill>
+          <a:blip r:embed="rId2">
+            <a:extLst>
+              <a:ext uri="{28A0092B-C50C-407E-A947-70E740481C1C}">
+                <a14:useLocalDpi xmlns:a14="http://schemas.microsoft.com/office/drawing/2010/main" val="0"/>
+              </a:ext>
+            </a:extLst>
+          </a:blip>
+          <a:stretch>
+            <a:fillRect/>
+          </a:stretch>
+        </p:blipFill>
+        <p:spPr>
+          <a:xfrm>
+            <a:off x="4969916" y="565688"/>
+            <a:ext cx="7315447" cy="5726623"/>
+          </a:xfrm>
+          <a:prstGeom prst="rect">
+            <a:avLst/>
+          </a:prstGeom>
+        </p:spPr>
+      </p:pic>
+      <p:pic>
+        <p:nvPicPr>
+          <p:cNvPr id="7" name="圖片 6">
+            <a:extLst>
+              <a:ext uri="{FF2B5EF4-FFF2-40B4-BE49-F238E27FC236}">
+                <a16:creationId xmlns:a16="http://schemas.microsoft.com/office/drawing/2014/main" id="{DE987D69-F0D3-4539-9204-94646FAF34B4}"/>
+              </a:ext>
+            </a:extLst>
+          </p:cNvPr>
+          <p:cNvPicPr>
+            <a:picLocks noChangeAspect="1"/>
+          </p:cNvPicPr>
+          <p:nvPr/>
+        </p:nvPicPr>
+        <p:blipFill>
+          <a:blip r:embed="rId3">
+            <a:extLst>
+              <a:ext uri="{28A0092B-C50C-407E-A947-70E740481C1C}">
+                <a14:useLocalDpi xmlns:a14="http://schemas.microsoft.com/office/drawing/2010/main" val="0"/>
+              </a:ext>
+            </a:extLst>
+          </a:blip>
+          <a:stretch>
+            <a:fillRect/>
+          </a:stretch>
+        </p:blipFill>
+        <p:spPr>
+          <a:xfrm>
+            <a:off x="-2734811" y="565688"/>
+            <a:ext cx="7315447" cy="5726623"/>
+          </a:xfrm>
+          <a:prstGeom prst="rect">
+            <a:avLst/>
+          </a:prstGeom>
+        </p:spPr>
+      </p:pic>
+      <p:sp>
+        <p:nvSpPr>
+          <p:cNvPr id="2" name="矩形 1">
+            <a:extLst>
+              <a:ext uri="{FF2B5EF4-FFF2-40B4-BE49-F238E27FC236}">
+                <a16:creationId xmlns:a16="http://schemas.microsoft.com/office/drawing/2014/main" id="{D6BA4195-460E-482B-8AE0-4B1EE4078A44}"/>
+              </a:ext>
+            </a:extLst>
+          </p:cNvPr>
+          <p:cNvSpPr/>
+          <p:nvPr/>
+        </p:nvSpPr>
+        <p:spPr>
+          <a:xfrm>
+            <a:off x="-1" y="1045606"/>
+            <a:ext cx="2066925" cy="169250"/>
+          </a:xfrm>
+          <a:prstGeom prst="rect">
+            <a:avLst/>
+          </a:prstGeom>
+          <a:solidFill>
+            <a:schemeClr val="bg1"/>
+          </a:solidFill>
+          <a:ln>
+            <a:noFill/>
+          </a:ln>
+        </p:spPr>
+        <p:style>
+          <a:lnRef idx="2">
+            <a:schemeClr val="accent1">
+              <a:shade val="50000"/>
+            </a:schemeClr>
+          </a:lnRef>
+          <a:fillRef idx="1">
+            <a:schemeClr val="accent1"/>
+          </a:fillRef>
+          <a:effectRef idx="0">
+            <a:schemeClr val="accent1"/>
+          </a:effectRef>
+          <a:fontRef idx="minor">
+            <a:schemeClr val="lt1"/>
+          </a:fontRef>
+        </p:style>
+        <p:txBody>
+          <a:bodyPr rtlCol="0" anchor="ctr"/>
+          <a:lstStyle/>
+          <a:p>
+            <a:pPr algn="ctr"/>
+            <a:endParaRPr lang="zh-TW" altLang="en-US"/>
+          </a:p>
+        </p:txBody>
+      </p:sp>
+      <p:sp>
+        <p:nvSpPr>
+          <p:cNvPr id="8" name="文字方塊 7">
+            <a:extLst>
+              <a:ext uri="{FF2B5EF4-FFF2-40B4-BE49-F238E27FC236}">
+                <a16:creationId xmlns:a16="http://schemas.microsoft.com/office/drawing/2014/main" id="{79A8BBC6-32DD-4B48-965E-8662ABD03935}"/>
+              </a:ext>
+            </a:extLst>
+          </p:cNvPr>
+          <p:cNvSpPr txBox="1"/>
+          <p:nvPr/>
+        </p:nvSpPr>
+        <p:spPr>
+          <a:xfrm>
+            <a:off x="80213" y="983122"/>
+            <a:ext cx="1685398" cy="284693"/>
+          </a:xfrm>
+          <a:prstGeom prst="rect">
+            <a:avLst/>
+          </a:prstGeom>
+          <a:noFill/>
+        </p:spPr>
+        <p:txBody>
+          <a:bodyPr wrap="none" rtlCol="0">
+            <a:spAutoFit/>
+          </a:bodyPr>
+          <a:lstStyle/>
+          <a:p>
+            <a:r>
+              <a:rPr lang="en-US" altLang="zh-TW" sz="1250" b="1" dirty="0">
+                <a:latin typeface="Arial" panose="020B0604020202020204" pitchFamily="34" charset="0"/>
+                <a:cs typeface="Arial" panose="020B0604020202020204" pitchFamily="34" charset="0"/>
+              </a:rPr>
+              <a:t>N=250, Small-World</a:t>
+            </a:r>
+            <a:endParaRPr lang="zh-TW" altLang="en-US" sz="1250" b="1" dirty="0">
+              <a:latin typeface="Arial" panose="020B0604020202020204" pitchFamily="34" charset="0"/>
+              <a:cs typeface="Arial" panose="020B0604020202020204" pitchFamily="34" charset="0"/>
+            </a:endParaRPr>
+          </a:p>
+        </p:txBody>
+      </p:sp>
+      <p:sp>
+        <p:nvSpPr>
+          <p:cNvPr id="9" name="矩形 8">
+            <a:extLst>
+              <a:ext uri="{FF2B5EF4-FFF2-40B4-BE49-F238E27FC236}">
+                <a16:creationId xmlns:a16="http://schemas.microsoft.com/office/drawing/2014/main" id="{D0878BF2-6006-4651-9DA1-6F8319475E1E}"/>
+              </a:ext>
+            </a:extLst>
+          </p:cNvPr>
+          <p:cNvSpPr/>
+          <p:nvPr/>
+        </p:nvSpPr>
+        <p:spPr>
+          <a:xfrm>
+            <a:off x="7594176" y="1047123"/>
+            <a:ext cx="2066925" cy="169250"/>
+          </a:xfrm>
+          <a:prstGeom prst="rect">
+            <a:avLst/>
+          </a:prstGeom>
+          <a:solidFill>
+            <a:schemeClr val="bg1"/>
+          </a:solidFill>
+          <a:ln>
+            <a:noFill/>
+          </a:ln>
+        </p:spPr>
+        <p:style>
+          <a:lnRef idx="2">
+            <a:schemeClr val="accent1">
+              <a:shade val="50000"/>
+            </a:schemeClr>
+          </a:lnRef>
+          <a:fillRef idx="1">
+            <a:schemeClr val="accent1"/>
+          </a:fillRef>
+          <a:effectRef idx="0">
+            <a:schemeClr val="accent1"/>
+          </a:effectRef>
+          <a:fontRef idx="minor">
+            <a:schemeClr val="lt1"/>
+          </a:fontRef>
+        </p:style>
+        <p:txBody>
+          <a:bodyPr rtlCol="0" anchor="ctr"/>
+          <a:lstStyle/>
+          <a:p>
+            <a:pPr algn="ctr"/>
+            <a:endParaRPr lang="zh-TW" altLang="en-US"/>
+          </a:p>
+        </p:txBody>
+      </p:sp>
+      <p:sp>
+        <p:nvSpPr>
+          <p:cNvPr id="6" name="文字方塊 5">
+            <a:extLst>
+              <a:ext uri="{FF2B5EF4-FFF2-40B4-BE49-F238E27FC236}">
+                <a16:creationId xmlns:a16="http://schemas.microsoft.com/office/drawing/2014/main" id="{693D6828-9230-47CA-BE5D-7159A3136A51}"/>
+              </a:ext>
+            </a:extLst>
+          </p:cNvPr>
+          <p:cNvSpPr txBox="1"/>
+          <p:nvPr/>
+        </p:nvSpPr>
+        <p:spPr>
+          <a:xfrm>
+            <a:off x="7784939" y="983121"/>
+            <a:ext cx="1685398" cy="284693"/>
+          </a:xfrm>
+          <a:prstGeom prst="rect">
+            <a:avLst/>
+          </a:prstGeom>
+          <a:noFill/>
+        </p:spPr>
+        <p:txBody>
+          <a:bodyPr wrap="none" rtlCol="0">
+            <a:spAutoFit/>
+          </a:bodyPr>
+          <a:lstStyle/>
+          <a:p>
+            <a:r>
+              <a:rPr lang="en-US" altLang="zh-TW" sz="1250" b="1" dirty="0">
+                <a:latin typeface="Arial" panose="020B0604020202020204" pitchFamily="34" charset="0"/>
+                <a:cs typeface="Arial" panose="020B0604020202020204" pitchFamily="34" charset="0"/>
+              </a:rPr>
+              <a:t>N=100, Small-World</a:t>
+            </a:r>
+            <a:endParaRPr lang="zh-TW" altLang="en-US" sz="1250" b="1" dirty="0">
+              <a:latin typeface="Arial" panose="020B0604020202020204" pitchFamily="34" charset="0"/>
+              <a:cs typeface="Arial" panose="020B0604020202020204" pitchFamily="34" charset="0"/>
+            </a:endParaRPr>
+          </a:p>
+        </p:txBody>
+      </p:sp>
+    </p:spTree>
+    <p:extLst>
+      <p:ext uri="{BB962C8B-B14F-4D97-AF65-F5344CB8AC3E}">
+        <p14:creationId xmlns:p14="http://schemas.microsoft.com/office/powerpoint/2010/main" val="3985828931"/>
       </p:ext>
     </p:extLst>
   </p:cSld>
